--- a/slides/jasmine.pptx
+++ b/slides/jasmine.pptx
@@ -16,14 +16,14 @@
     <p:sldId id="261" r:id="rId7"/>
     <p:sldId id="272" r:id="rId8"/>
     <p:sldId id="274" r:id="rId9"/>
-    <p:sldId id="260" r:id="rId10"/>
-    <p:sldId id="265" r:id="rId11"/>
-    <p:sldId id="275" r:id="rId12"/>
-    <p:sldId id="276" r:id="rId13"/>
-    <p:sldId id="268" r:id="rId14"/>
-    <p:sldId id="262" r:id="rId15"/>
-    <p:sldId id="263" r:id="rId16"/>
-    <p:sldId id="264" r:id="rId17"/>
+    <p:sldId id="265" r:id="rId10"/>
+    <p:sldId id="275" r:id="rId11"/>
+    <p:sldId id="276" r:id="rId12"/>
+    <p:sldId id="268" r:id="rId13"/>
+    <p:sldId id="262" r:id="rId14"/>
+    <p:sldId id="263" r:id="rId15"/>
+    <p:sldId id="264" r:id="rId16"/>
+    <p:sldId id="260" r:id="rId17"/>
     <p:sldId id="271" r:id="rId18"/>
   </p:sldIdLst>
   <p:sldSz cx="9144000" cy="5143500" type="screen16x9"/>
@@ -623,7 +623,7 @@
   <p:cSld>
     <p:spTree>
       <p:nvGrpSpPr>
-        <p:cNvPr id="1" name="Shape 259"/>
+        <p:cNvPr id="1" name="Shape 280"/>
         <p:cNvGrpSpPr/>
         <p:nvPr/>
       </p:nvGrpSpPr>
@@ -637,7 +637,7 @@
       </p:grpSpPr>
       <p:sp>
         <p:nvSpPr>
-          <p:cNvPr id="260" name="Shape 260"/>
+          <p:cNvPr id="281" name="Shape 281"/>
           <p:cNvSpPr>
             <a:spLocks noGrp="1" noRot="1" noChangeAspect="1"/>
           </p:cNvSpPr>
@@ -688,7 +688,7 @@
       </p:sp>
       <p:sp>
         <p:nvSpPr>
-          <p:cNvPr id="261" name="Shape 261"/>
+          <p:cNvPr id="282" name="Shape 282"/>
           <p:cNvSpPr txBox="1">
             <a:spLocks noGrp="1"/>
           </p:cNvSpPr>
@@ -717,10 +717,7 @@
               </a:spcBef>
               <a:buNone/>
             </a:pPr>
-            <a:r>
-              <a:rPr lang="en"/>
-              <a:t>A simple check but very important to us.</a:t>
-            </a:r>
+            <a:endParaRPr/>
           </a:p>
         </p:txBody>
       </p:sp>
@@ -733,117 +730,6 @@
 </file>
 
 <file path=ppt/notesSlides/notesSlide11.xml><?xml version="1.0" encoding="utf-8"?>
-<p:notes xmlns:a="http://schemas.openxmlformats.org/drawingml/2006/main" xmlns:r="http://schemas.openxmlformats.org/officeDocument/2006/relationships" xmlns:p="http://schemas.openxmlformats.org/presentationml/2006/main" showMasterSp="0" showMasterPhAnim="0">
-  <p:cSld>
-    <p:spTree>
-      <p:nvGrpSpPr>
-        <p:cNvPr id="1" name="Shape 280"/>
-        <p:cNvGrpSpPr/>
-        <p:nvPr/>
-      </p:nvGrpSpPr>
-      <p:grpSpPr>
-        <a:xfrm>
-          <a:off x="0" y="0"/>
-          <a:ext cx="0" cy="0"/>
-          <a:chOff x="0" y="0"/>
-          <a:chExt cx="0" cy="0"/>
-        </a:xfrm>
-      </p:grpSpPr>
-      <p:sp>
-        <p:nvSpPr>
-          <p:cNvPr id="281" name="Shape 281"/>
-          <p:cNvSpPr>
-            <a:spLocks noGrp="1" noRot="1" noChangeAspect="1"/>
-          </p:cNvSpPr>
-          <p:nvPr>
-            <p:ph type="sldImg" idx="2"/>
-          </p:nvPr>
-        </p:nvSpPr>
-        <p:spPr>
-          <a:xfrm>
-            <a:off x="381000" y="685800"/>
-            <a:ext cx="6096000" cy="3429000"/>
-          </a:xfrm>
-          <a:custGeom>
-            <a:avLst/>
-            <a:gdLst/>
-            <a:ahLst/>
-            <a:cxnLst/>
-            <a:rect l="0" t="0" r="0" b="0"/>
-            <a:pathLst>
-              <a:path w="120000" h="120000" extrusionOk="0">
-                <a:moveTo>
-                  <a:pt x="0" y="0"/>
-                </a:moveTo>
-                <a:lnTo>
-                  <a:pt x="120000" y="0"/>
-                </a:lnTo>
-                <a:lnTo>
-                  <a:pt x="120000" y="120000"/>
-                </a:lnTo>
-                <a:lnTo>
-                  <a:pt x="0" y="120000"/>
-                </a:lnTo>
-                <a:close/>
-              </a:path>
-            </a:pathLst>
-          </a:custGeom>
-          <a:noFill/>
-          <a:ln w="9525" cap="flat" cmpd="sng">
-            <a:solidFill>
-              <a:srgbClr val="000000"/>
-            </a:solidFill>
-            <a:prstDash val="solid"/>
-            <a:round/>
-            <a:headEnd type="none" w="med" len="med"/>
-            <a:tailEnd type="none" w="med" len="med"/>
-          </a:ln>
-        </p:spPr>
-      </p:sp>
-      <p:sp>
-        <p:nvSpPr>
-          <p:cNvPr id="282" name="Shape 282"/>
-          <p:cNvSpPr txBox="1">
-            <a:spLocks noGrp="1"/>
-          </p:cNvSpPr>
-          <p:nvPr>
-            <p:ph type="body" idx="1"/>
-          </p:nvPr>
-        </p:nvSpPr>
-        <p:spPr>
-          <a:xfrm>
-            <a:off x="685800" y="4343400"/>
-            <a:ext cx="5486399" cy="4114800"/>
-          </a:xfrm>
-          <a:prstGeom prst="rect">
-            <a:avLst/>
-          </a:prstGeom>
-        </p:spPr>
-        <p:txBody>
-          <a:bodyPr lIns="91425" tIns="91425" rIns="91425" bIns="91425" anchor="t" anchorCtr="0">
-            <a:noAutofit/>
-          </a:bodyPr>
-          <a:lstStyle/>
-          <a:p>
-            <a:pPr>
-              <a:spcBef>
-                <a:spcPts val="0"/>
-              </a:spcBef>
-              <a:buNone/>
-            </a:pPr>
-            <a:endParaRPr/>
-          </a:p>
-        </p:txBody>
-      </p:sp>
-    </p:spTree>
-  </p:cSld>
-  <p:clrMapOvr>
-    <a:masterClrMapping/>
-  </p:clrMapOvr>
-</p:notes>
-</file>
-
-<file path=ppt/notesSlides/notesSlide12.xml><?xml version="1.0" encoding="utf-8"?>
 <p:notes xmlns:a="http://schemas.openxmlformats.org/drawingml/2006/main" xmlns:r="http://schemas.openxmlformats.org/officeDocument/2006/relationships" xmlns:p="http://schemas.openxmlformats.org/presentationml/2006/main" showMasterSp="0" showMasterPhAnim="0">
   <p:cSld>
     <p:spTree>
@@ -957,7 +843,7 @@
 </p:notes>
 </file>
 
-<file path=ppt/notesSlides/notesSlide13.xml><?xml version="1.0" encoding="utf-8"?>
+<file path=ppt/notesSlides/notesSlide12.xml><?xml version="1.0" encoding="utf-8"?>
 <p:notes xmlns:a="http://schemas.openxmlformats.org/drawingml/2006/main" xmlns:r="http://schemas.openxmlformats.org/officeDocument/2006/relationships" xmlns:p="http://schemas.openxmlformats.org/presentationml/2006/main" showMasterSp="0" showMasterPhAnim="0">
   <p:cSld>
     <p:spTree>
@@ -1083,7 +969,7 @@
 </p:notes>
 </file>
 
-<file path=ppt/notesSlides/notesSlide14.xml><?xml version="1.0" encoding="utf-8"?>
+<file path=ppt/notesSlides/notesSlide13.xml><?xml version="1.0" encoding="utf-8"?>
 <p:notes xmlns:a="http://schemas.openxmlformats.org/drawingml/2006/main" xmlns:r="http://schemas.openxmlformats.org/officeDocument/2006/relationships" xmlns:p="http://schemas.openxmlformats.org/presentationml/2006/main" showMasterSp="0" showMasterPhAnim="0">
   <p:cSld>
     <p:spTree>
@@ -1185,6 +1071,132 @@
             <a:r>
               <a:rPr lang="en"/>
               <a:t>Allows to move time forward (useful when the actual code has delays). See autocomplete example in Sufia.</a:t>
+            </a:r>
+          </a:p>
+        </p:txBody>
+      </p:sp>
+    </p:spTree>
+  </p:cSld>
+  <p:clrMapOvr>
+    <a:masterClrMapping/>
+  </p:clrMapOvr>
+</p:notes>
+</file>
+
+<file path=ppt/notesSlides/notesSlide14.xml><?xml version="1.0" encoding="utf-8"?>
+<p:notes xmlns:a="http://schemas.openxmlformats.org/drawingml/2006/main" xmlns:r="http://schemas.openxmlformats.org/officeDocument/2006/relationships" xmlns:p="http://schemas.openxmlformats.org/presentationml/2006/main" showMasterSp="0" showMasterPhAnim="0">
+  <p:cSld>
+    <p:spTree>
+      <p:nvGrpSpPr>
+        <p:cNvPr id="1" name="Shape 224"/>
+        <p:cNvGrpSpPr/>
+        <p:nvPr/>
+      </p:nvGrpSpPr>
+      <p:grpSpPr>
+        <a:xfrm>
+          <a:off x="0" y="0"/>
+          <a:ext cx="0" cy="0"/>
+          <a:chOff x="0" y="0"/>
+          <a:chExt cx="0" cy="0"/>
+        </a:xfrm>
+      </p:grpSpPr>
+      <p:sp>
+        <p:nvSpPr>
+          <p:cNvPr id="225" name="Shape 225"/>
+          <p:cNvSpPr>
+            <a:spLocks noGrp="1" noRot="1" noChangeAspect="1"/>
+          </p:cNvSpPr>
+          <p:nvPr>
+            <p:ph type="sldImg" idx="2"/>
+          </p:nvPr>
+        </p:nvSpPr>
+        <p:spPr>
+          <a:xfrm>
+            <a:off x="381000" y="685800"/>
+            <a:ext cx="6096000" cy="3429000"/>
+          </a:xfrm>
+          <a:custGeom>
+            <a:avLst/>
+            <a:gdLst/>
+            <a:ahLst/>
+            <a:cxnLst/>
+            <a:rect l="0" t="0" r="0" b="0"/>
+            <a:pathLst>
+              <a:path w="120000" h="120000" extrusionOk="0">
+                <a:moveTo>
+                  <a:pt x="0" y="0"/>
+                </a:moveTo>
+                <a:lnTo>
+                  <a:pt x="120000" y="0"/>
+                </a:lnTo>
+                <a:lnTo>
+                  <a:pt x="120000" y="120000"/>
+                </a:lnTo>
+                <a:lnTo>
+                  <a:pt x="0" y="120000"/>
+                </a:lnTo>
+                <a:close/>
+              </a:path>
+            </a:pathLst>
+          </a:custGeom>
+          <a:noFill/>
+          <a:ln w="9525" cap="flat" cmpd="sng">
+            <a:solidFill>
+              <a:srgbClr val="000000"/>
+            </a:solidFill>
+            <a:prstDash val="solid"/>
+            <a:round/>
+            <a:headEnd type="none" w="med" len="med"/>
+            <a:tailEnd type="none" w="med" len="med"/>
+          </a:ln>
+        </p:spPr>
+      </p:sp>
+      <p:sp>
+        <p:nvSpPr>
+          <p:cNvPr id="226" name="Shape 226"/>
+          <p:cNvSpPr txBox="1">
+            <a:spLocks noGrp="1"/>
+          </p:cNvSpPr>
+          <p:nvPr>
+            <p:ph type="body" idx="1"/>
+          </p:nvPr>
+        </p:nvSpPr>
+        <p:spPr>
+          <a:xfrm>
+            <a:off x="685800" y="4343400"/>
+            <a:ext cx="5486399" cy="4114800"/>
+          </a:xfrm>
+          <a:prstGeom prst="rect">
+            <a:avLst/>
+          </a:prstGeom>
+        </p:spPr>
+        <p:txBody>
+          <a:bodyPr lIns="91425" tIns="91425" rIns="91425" bIns="91425" anchor="t" anchorCtr="0">
+            <a:noAutofit/>
+          </a:bodyPr>
+          <a:lstStyle/>
+          <a:p>
+            <a:pPr rtl="0">
+              <a:spcBef>
+                <a:spcPts val="0"/>
+              </a:spcBef>
+              <a:buNone/>
+            </a:pPr>
+            <a:r>
+              <a:rPr lang="en"/>
+              <a:t>Do this if you don't want to have to run two separate rake tasks: rake rspec + rake jasmine:ci</a:t>
+            </a:r>
+          </a:p>
+          <a:p>
+            <a:pPr>
+              <a:spcBef>
+                <a:spcPts val="0"/>
+              </a:spcBef>
+              <a:buNone/>
+            </a:pPr>
+            <a:r>
+              <a:rPr lang="en"/>
+              <a:t>We used to have RSpec and Cucumber. Cucumber was always forgotten. TODO: What does Cucumber do exactly? Runs the app as a user -- therefore it was very slow.</a:t>
             </a:r>
           </a:p>
         </p:txBody>
@@ -1761,10 +1773,7 @@
               </a:spcBef>
               <a:buNone/>
             </a:pPr>
-            <a:r>
-              <a:rPr lang="en"/>
-              <a:t>Twin orchids </a:t>
-            </a:r>
+            <a:endParaRPr lang="en"/>
           </a:p>
         </p:txBody>
       </p:sp>
@@ -1895,7 +1904,7 @@
   <p:cSld>
     <p:spTree>
       <p:nvGrpSpPr>
-        <p:cNvPr id="1" name="Shape 224"/>
+        <p:cNvPr id="1" name="Shape 259"/>
         <p:cNvGrpSpPr/>
         <p:nvPr/>
       </p:nvGrpSpPr>
@@ -1909,7 +1918,7 @@
       </p:grpSpPr>
       <p:sp>
         <p:nvSpPr>
-          <p:cNvPr id="225" name="Shape 225"/>
+          <p:cNvPr id="260" name="Shape 260"/>
           <p:cNvSpPr>
             <a:spLocks noGrp="1" noRot="1" noChangeAspect="1"/>
           </p:cNvSpPr>
@@ -1960,7 +1969,7 @@
       </p:sp>
       <p:sp>
         <p:nvSpPr>
-          <p:cNvPr id="226" name="Shape 226"/>
+          <p:cNvPr id="261" name="Shape 261"/>
           <p:cNvSpPr txBox="1">
             <a:spLocks noGrp="1"/>
           </p:cNvSpPr>
@@ -1983,7 +1992,7 @@
           </a:bodyPr>
           <a:lstStyle/>
           <a:p>
-            <a:pPr rtl="0">
+            <a:pPr>
               <a:spcBef>
                 <a:spcPts val="0"/>
               </a:spcBef>
@@ -1991,19 +2000,7 @@
             </a:pPr>
             <a:r>
               <a:rPr lang="en"/>
-              <a:t>Do this if you don't want to have to run two separate rake tasks: rake rspec + rake jasmine:ci</a:t>
-            </a:r>
-          </a:p>
-          <a:p>
-            <a:pPr>
-              <a:spcBef>
-                <a:spcPts val="0"/>
-              </a:spcBef>
-              <a:buNone/>
-            </a:pPr>
-            <a:r>
-              <a:rPr lang="en"/>
-              <a:t>We used to have RSpec and Cucumber. Cucumber was always forgotten. TODO: What does Cucumber do exactly? Runs the app as a user -- therefore it was very slow.</a:t>
+              <a:t>A simple check but very important to us.</a:t>
             </a:r>
           </a:p>
         </p:txBody>
@@ -16863,6 +16860,13 @@
   <p:transition xmlns:p14="http://schemas.microsoft.com/office/powerpoint/2010/main" spd="slow">
     <p:cut/>
   </p:transition>
+  <p:timing>
+    <p:tnLst>
+      <p:par>
+        <p:cTn xmlns:p14="http://schemas.microsoft.com/office/powerpoint/2010/main" id="1" dur="indefinite" restart="never" nodeType="tmRoot"/>
+      </p:par>
+    </p:tnLst>
+  </p:timing>
 </p:sld>
 </file>
 
@@ -16916,7 +16920,7 @@
             </a:pPr>
             <a:r>
               <a:rPr lang="en-US"/>
-              <a:t>Testing plain vanilla JavaScript</a:t>
+              <a:t>Testing DOM elements (1/2)</a:t>
             </a:r>
             <a:endParaRPr lang="en"/>
           </a:p>
@@ -16934,8 +16938,8 @@
         </p:nvSpPr>
         <p:spPr>
           <a:xfrm>
-            <a:off x="457200" y="789218"/>
-            <a:ext cx="8229600" cy="4162519"/>
+            <a:off x="82149" y="942628"/>
+            <a:ext cx="7009725" cy="2423871"/>
           </a:xfrm>
           <a:prstGeom prst="rect">
             <a:avLst/>
@@ -16973,7 +16977,7 @@
                 <a:latin typeface="Courier"/>
                 <a:cs typeface="Courier"/>
               </a:rPr>
-              <a:t>Calculator.addNumbers = function(a, b) {</a:t>
+              <a:t>Calculator.updateUI = function() {</a:t>
             </a:r>
           </a:p>
           <a:p>
@@ -16988,7 +16992,52 @@
                 <a:latin typeface="Courier"/>
                 <a:cs typeface="Courier"/>
               </a:rPr>
-              <a:t>  return a + b;</a:t>
+              <a:t>  var a = $("#number1").val();</a:t>
+            </a:r>
+          </a:p>
+          <a:p>
+            <a:pPr marL="228600" lvl="0" indent="0">
+              <a:buNone/>
+            </a:pPr>
+            <a:r>
+              <a:rPr lang="en" sz="2000">
+                <a:solidFill>
+                  <a:srgbClr val="000000"/>
+                </a:solidFill>
+                <a:latin typeface="Courier"/>
+                <a:cs typeface="Courier"/>
+              </a:rPr>
+              <a:t>  var b = $("#number2").val();</a:t>
+            </a:r>
+          </a:p>
+          <a:p>
+            <a:pPr marL="228600" lvl="0" indent="0">
+              <a:buNone/>
+            </a:pPr>
+            <a:r>
+              <a:rPr lang="en" sz="2000">
+                <a:solidFill>
+                  <a:srgbClr val="000000"/>
+                </a:solidFill>
+                <a:latin typeface="Courier"/>
+                <a:cs typeface="Courier"/>
+              </a:rPr>
+              <a:t>  var result = Calculator.addNumbers(a, b);</a:t>
+            </a:r>
+          </a:p>
+          <a:p>
+            <a:pPr marL="228600" lvl="0" indent="0">
+              <a:buNone/>
+            </a:pPr>
+            <a:r>
+              <a:rPr lang="en" sz="2000">
+                <a:solidFill>
+                  <a:srgbClr val="000000"/>
+                </a:solidFill>
+                <a:latin typeface="Courier"/>
+                <a:cs typeface="Courier"/>
+              </a:rPr>
+              <a:t>  $("#resultGoesHere").text(result);</a:t>
             </a:r>
           </a:p>
           <a:p>
@@ -17006,166 +17055,14 @@
               <a:t>}</a:t>
             </a:r>
           </a:p>
-          <a:p>
-            <a:pPr marL="228600" lvl="0" indent="0">
-              <a:buNone/>
-            </a:pPr>
-            <a:endParaRPr lang="en" sz="2000">
-              <a:solidFill>
-                <a:srgbClr val="000000"/>
-              </a:solidFill>
-              <a:latin typeface="Courier"/>
-              <a:cs typeface="Courier"/>
-            </a:endParaRPr>
-          </a:p>
-          <a:p>
-            <a:pPr marL="228600" lvl="0" indent="0">
-              <a:buNone/>
-            </a:pPr>
-            <a:r>
-              <a:rPr lang="en" sz="2000" b="1">
-                <a:solidFill>
-                  <a:srgbClr val="000000"/>
-                </a:solidFill>
-                <a:latin typeface="Courier"/>
-                <a:cs typeface="Courier"/>
-              </a:rPr>
-              <a:t>// CalculatorSpec.js</a:t>
-            </a:r>
-          </a:p>
-          <a:p>
-            <a:pPr marL="228600" lvl="0" indent="0">
-              <a:buNone/>
-            </a:pPr>
-            <a:r>
-              <a:rPr lang="en" sz="2000">
-                <a:solidFill>
-                  <a:srgbClr val="000000"/>
-                </a:solidFill>
-                <a:latin typeface="Courier"/>
-                <a:cs typeface="Courier"/>
-              </a:rPr>
-              <a:t>describe("Calculator", function() {</a:t>
-            </a:r>
-            <a:endParaRPr lang="en" sz="1400">
-              <a:solidFill>
-                <a:srgbClr val="000000"/>
-              </a:solidFill>
-              <a:latin typeface="Courier"/>
-              <a:cs typeface="Courier"/>
-            </a:endParaRPr>
-          </a:p>
-          <a:p>
-            <a:pPr marL="228600" lvl="0" indent="0">
-              <a:buNone/>
-            </a:pPr>
-            <a:r>
-              <a:rPr lang="en" sz="2000">
-                <a:solidFill>
-                  <a:srgbClr val="000000"/>
-                </a:solidFill>
-                <a:latin typeface="Courier"/>
-                <a:cs typeface="Courier"/>
-              </a:rPr>
-              <a:t>  it("adds two numbers", function() {</a:t>
-            </a:r>
-          </a:p>
-          <a:p>
-            <a:pPr marL="228600" lvl="0" indent="0">
-              <a:buNone/>
-            </a:pPr>
-            <a:r>
-              <a:rPr lang="en" sz="2000">
-                <a:solidFill>
-                  <a:srgbClr val="000000"/>
-                </a:solidFill>
-                <a:latin typeface="Courier"/>
-                <a:cs typeface="Courier"/>
-              </a:rPr>
-              <a:t>    result = Calculator.addNumbers(4,5)</a:t>
-            </a:r>
-            <a:r>
-              <a:rPr lang="en-US" sz="2000">
-                <a:solidFill>
-                  <a:srgbClr val="000000"/>
-                </a:solidFill>
-                <a:latin typeface="Courier"/>
-                <a:cs typeface="Courier"/>
-              </a:rPr>
-              <a:t>;</a:t>
-            </a:r>
-            <a:endParaRPr lang="en" sz="2000">
-              <a:solidFill>
-                <a:srgbClr val="000000"/>
-              </a:solidFill>
-              <a:latin typeface="Courier"/>
-              <a:cs typeface="Courier"/>
-            </a:endParaRPr>
-          </a:p>
-          <a:p>
-            <a:pPr marL="228600" lvl="0" indent="0">
-              <a:buNone/>
-            </a:pPr>
-            <a:r>
-              <a:rPr lang="en" sz="2000">
-                <a:solidFill>
-                  <a:srgbClr val="000000"/>
-                </a:solidFill>
-                <a:latin typeface="Courier"/>
-                <a:cs typeface="Courier"/>
-              </a:rPr>
-              <a:t>    expect(result).toEqual(9);</a:t>
-            </a:r>
-          </a:p>
-          <a:p>
-            <a:pPr marL="228600" lvl="0" indent="0">
-              <a:buNone/>
-            </a:pPr>
-            <a:r>
-              <a:rPr lang="en" sz="2000">
-                <a:solidFill>
-                  <a:srgbClr val="000000"/>
-                </a:solidFill>
-                <a:latin typeface="Courier"/>
-                <a:cs typeface="Courier"/>
-              </a:rPr>
-              <a:t>  });</a:t>
-            </a:r>
-            <a:endParaRPr lang="en" sz="1400">
-              <a:solidFill>
-                <a:srgbClr val="000000"/>
-              </a:solidFill>
-              <a:latin typeface="Courier"/>
-              <a:cs typeface="Courier"/>
-            </a:endParaRPr>
-          </a:p>
-          <a:p>
-            <a:pPr marL="228600" lvl="0" indent="0">
-              <a:buNone/>
-            </a:pPr>
-            <a:r>
-              <a:rPr lang="en" sz="2000">
-                <a:solidFill>
-                  <a:srgbClr val="000000"/>
-                </a:solidFill>
-                <a:latin typeface="Courier"/>
-                <a:cs typeface="Courier"/>
-              </a:rPr>
-              <a:t>});</a:t>
-            </a:r>
-          </a:p>
-          <a:p>
-            <a:pPr>
-              <a:spcBef>
-                <a:spcPts val="0"/>
-              </a:spcBef>
-              <a:buNone/>
-            </a:pPr>
-            <a:endParaRPr/>
-          </a:p>
         </p:txBody>
       </p:sp>
     </p:spTree>
+    <p:extLst>
+      <p:ext uri="{BB962C8B-B14F-4D97-AF65-F5344CB8AC3E}">
+        <p14:creationId xmlns:p14="http://schemas.microsoft.com/office/powerpoint/2010/main" val="2911668088"/>
+      </p:ext>
+    </p:extLst>
   </p:cSld>
   <p:clrMapOvr>
     <a:masterClrMapping/>
@@ -17226,209 +17123,6 @@
             </a:pPr>
             <a:r>
               <a:rPr lang="en-US"/>
-              <a:t>Testing DOM elements (1/2)</a:t>
-            </a:r>
-            <a:endParaRPr lang="en"/>
-          </a:p>
-        </p:txBody>
-      </p:sp>
-      <p:sp>
-        <p:nvSpPr>
-          <p:cNvPr id="257" name="Shape 257"/>
-          <p:cNvSpPr txBox="1">
-            <a:spLocks noGrp="1"/>
-          </p:cNvSpPr>
-          <p:nvPr>
-            <p:ph type="body" idx="1"/>
-          </p:nvPr>
-        </p:nvSpPr>
-        <p:spPr>
-          <a:xfrm>
-            <a:off x="82149" y="942628"/>
-            <a:ext cx="7009725" cy="2423871"/>
-          </a:xfrm>
-          <a:prstGeom prst="rect">
-            <a:avLst/>
-          </a:prstGeom>
-        </p:spPr>
-        <p:txBody>
-          <a:bodyPr lIns="91425" tIns="91425" rIns="91425" bIns="91425" anchor="t" anchorCtr="0">
-            <a:noAutofit/>
-          </a:bodyPr>
-          <a:lstStyle/>
-          <a:p>
-            <a:pPr marL="228600" lvl="0" indent="0">
-              <a:buNone/>
-            </a:pPr>
-            <a:r>
-              <a:rPr lang="en" sz="2000" b="1">
-                <a:solidFill>
-                  <a:srgbClr val="000000"/>
-                </a:solidFill>
-                <a:latin typeface="Courier"/>
-                <a:cs typeface="Courier"/>
-              </a:rPr>
-              <a:t>// Calculator.js</a:t>
-            </a:r>
-          </a:p>
-          <a:p>
-            <a:pPr marL="228600" lvl="0" indent="0">
-              <a:buNone/>
-            </a:pPr>
-            <a:r>
-              <a:rPr lang="en" sz="2000">
-                <a:solidFill>
-                  <a:srgbClr val="000000"/>
-                </a:solidFill>
-                <a:latin typeface="Courier"/>
-                <a:cs typeface="Courier"/>
-              </a:rPr>
-              <a:t>Calculator.updateUI = function() {</a:t>
-            </a:r>
-          </a:p>
-          <a:p>
-            <a:pPr marL="228600" lvl="0" indent="0">
-              <a:buNone/>
-            </a:pPr>
-            <a:r>
-              <a:rPr lang="en" sz="2000">
-                <a:solidFill>
-                  <a:srgbClr val="000000"/>
-                </a:solidFill>
-                <a:latin typeface="Courier"/>
-                <a:cs typeface="Courier"/>
-              </a:rPr>
-              <a:t>  var a = $("#number1").val();</a:t>
-            </a:r>
-          </a:p>
-          <a:p>
-            <a:pPr marL="228600" lvl="0" indent="0">
-              <a:buNone/>
-            </a:pPr>
-            <a:r>
-              <a:rPr lang="en" sz="2000">
-                <a:solidFill>
-                  <a:srgbClr val="000000"/>
-                </a:solidFill>
-                <a:latin typeface="Courier"/>
-                <a:cs typeface="Courier"/>
-              </a:rPr>
-              <a:t>  var b = $("#number2").val();</a:t>
-            </a:r>
-          </a:p>
-          <a:p>
-            <a:pPr marL="228600" lvl="0" indent="0">
-              <a:buNone/>
-            </a:pPr>
-            <a:r>
-              <a:rPr lang="en" sz="2000">
-                <a:solidFill>
-                  <a:srgbClr val="000000"/>
-                </a:solidFill>
-                <a:latin typeface="Courier"/>
-                <a:cs typeface="Courier"/>
-              </a:rPr>
-              <a:t>  var result = Calculator.addNumbers(a, b);</a:t>
-            </a:r>
-          </a:p>
-          <a:p>
-            <a:pPr marL="228600" lvl="0" indent="0">
-              <a:buNone/>
-            </a:pPr>
-            <a:r>
-              <a:rPr lang="en" sz="2000">
-                <a:solidFill>
-                  <a:srgbClr val="000000"/>
-                </a:solidFill>
-                <a:latin typeface="Courier"/>
-                <a:cs typeface="Courier"/>
-              </a:rPr>
-              <a:t>  $("#resultGoesHere").text(result);</a:t>
-            </a:r>
-          </a:p>
-          <a:p>
-            <a:pPr marL="228600" lvl="0" indent="0">
-              <a:buNone/>
-            </a:pPr>
-            <a:r>
-              <a:rPr lang="en" sz="2000">
-                <a:solidFill>
-                  <a:srgbClr val="000000"/>
-                </a:solidFill>
-                <a:latin typeface="Courier"/>
-                <a:cs typeface="Courier"/>
-              </a:rPr>
-              <a:t>}</a:t>
-            </a:r>
-          </a:p>
-        </p:txBody>
-      </p:sp>
-    </p:spTree>
-    <p:extLst>
-      <p:ext uri="{BB962C8B-B14F-4D97-AF65-F5344CB8AC3E}">
-        <p14:creationId xmlns:p14="http://schemas.microsoft.com/office/powerpoint/2010/main" val="2911668088"/>
-      </p:ext>
-    </p:extLst>
-  </p:cSld>
-  <p:clrMapOvr>
-    <a:masterClrMapping/>
-  </p:clrMapOvr>
-  <p:transition xmlns:p14="http://schemas.microsoft.com/office/powerpoint/2010/main" spd="slow">
-    <p:cut/>
-  </p:transition>
-</p:sld>
-</file>
-
-<file path=ppt/slides/slide12.xml><?xml version="1.0" encoding="utf-8"?>
-<p:sld xmlns:a="http://schemas.openxmlformats.org/drawingml/2006/main" xmlns:r="http://schemas.openxmlformats.org/officeDocument/2006/relationships" xmlns:p="http://schemas.openxmlformats.org/presentationml/2006/main">
-  <p:cSld>
-    <p:spTree>
-      <p:nvGrpSpPr>
-        <p:cNvPr id="1" name="Shape 255"/>
-        <p:cNvGrpSpPr/>
-        <p:nvPr/>
-      </p:nvGrpSpPr>
-      <p:grpSpPr>
-        <a:xfrm>
-          <a:off x="0" y="0"/>
-          <a:ext cx="0" cy="0"/>
-          <a:chOff x="0" y="0"/>
-          <a:chExt cx="0" cy="0"/>
-        </a:xfrm>
-      </p:grpSpPr>
-      <p:sp>
-        <p:nvSpPr>
-          <p:cNvPr id="256" name="Shape 256"/>
-          <p:cNvSpPr txBox="1">
-            <a:spLocks noGrp="1"/>
-          </p:cNvSpPr>
-          <p:nvPr>
-            <p:ph type="title"/>
-          </p:nvPr>
-        </p:nvSpPr>
-        <p:spPr>
-          <a:xfrm>
-            <a:off x="0" y="0"/>
-            <a:ext cx="9144000" cy="857400"/>
-          </a:xfrm>
-          <a:prstGeom prst="rect">
-            <a:avLst/>
-          </a:prstGeom>
-        </p:spPr>
-        <p:txBody>
-          <a:bodyPr lIns="91425" tIns="91425" rIns="91425" bIns="91425" anchor="ctr" anchorCtr="0">
-            <a:noAutofit/>
-          </a:bodyPr>
-          <a:lstStyle/>
-          <a:p>
-            <a:pPr>
-              <a:spcBef>
-                <a:spcPts val="0"/>
-              </a:spcBef>
-              <a:buNone/>
-            </a:pPr>
-            <a:r>
-              <a:rPr lang="en-US"/>
               <a:t>Testing DOM elements (2/2)</a:t>
             </a:r>
             <a:endParaRPr lang="en"/>
@@ -17938,13 +17632,6 @@
               </a:rPr>
               <a:t>});</a:t>
             </a:r>
-            <a:endParaRPr lang="en" sz="2000">
-              <a:solidFill>
-                <a:srgbClr val="000000"/>
-              </a:solidFill>
-              <a:latin typeface="Courier"/>
-              <a:cs typeface="Courier"/>
-            </a:endParaRPr>
           </a:p>
         </p:txBody>
       </p:sp>
@@ -18087,7 +17774,7 @@
 </p:sld>
 </file>
 
-<file path=ppt/slides/slide13.xml><?xml version="1.0" encoding="utf-8"?>
+<file path=ppt/slides/slide12.xml><?xml version="1.0" encoding="utf-8"?>
 <p:sld xmlns:a="http://schemas.openxmlformats.org/drawingml/2006/main" xmlns:r="http://schemas.openxmlformats.org/officeDocument/2006/relationships" xmlns:p="http://schemas.openxmlformats.org/presentationml/2006/main">
   <p:cSld>
     <p:spTree>
@@ -18531,7 +18218,7 @@
 </p:sld>
 </file>
 
-<file path=ppt/slides/slide14.xml><?xml version="1.0" encoding="utf-8"?>
+<file path=ppt/slides/slide13.xml><?xml version="1.0" encoding="utf-8"?>
 <p:sld xmlns:a="http://schemas.openxmlformats.org/drawingml/2006/main" xmlns:r="http://schemas.openxmlformats.org/officeDocument/2006/relationships" xmlns:p="http://schemas.openxmlformats.org/presentationml/2006/main">
   <p:cSld>
     <p:spTree>
@@ -18884,7 +18571,7 @@
 </p:sld>
 </file>
 
-<file path=ppt/slides/slide15.xml><?xml version="1.0" encoding="utf-8"?>
+<file path=ppt/slides/slide14.xml><?xml version="1.0" encoding="utf-8"?>
 <p:sld xmlns:a="http://schemas.openxmlformats.org/drawingml/2006/main" xmlns:r="http://schemas.openxmlformats.org/officeDocument/2006/relationships" xmlns:p="http://schemas.openxmlformats.org/presentationml/2006/main">
   <p:cSld>
     <p:spTree>
@@ -18951,8 +18638,8 @@
         </p:nvSpPr>
         <p:spPr>
           <a:xfrm>
-            <a:off x="164136" y="1078025"/>
-            <a:ext cx="5177700" cy="3725699"/>
+            <a:off x="108573" y="879737"/>
+            <a:ext cx="5177700" cy="2723888"/>
           </a:xfrm>
           <a:prstGeom prst="rect">
             <a:avLst/>
@@ -19018,9 +18705,49 @@
                 <a:solidFill>
                   <a:schemeClr val="accent1"/>
                 </a:solidFill>
+                <a:hlinkClick r:id="rId3"/>
               </a:rPr>
               <a:t>http://jasmine.github.io/2.0/introduction.html#section-Spies</a:t>
             </a:r>
+            <a:endParaRPr lang="en-US">
+              <a:solidFill>
+                <a:schemeClr val="accent1"/>
+              </a:solidFill>
+            </a:endParaRPr>
+          </a:p>
+          <a:p>
+            <a:pPr marL="971550" lvl="1" indent="-285750" rtl="0">
+              <a:spcBef>
+                <a:spcPts val="0"/>
+              </a:spcBef>
+              <a:buClr>
+                <a:schemeClr val="accent1"/>
+              </a:buClr>
+              <a:buFont typeface="Arial"/>
+              <a:buChar char="•"/>
+            </a:pPr>
+            <a:endParaRPr lang="en-US">
+              <a:solidFill>
+                <a:schemeClr val="accent1"/>
+              </a:solidFill>
+            </a:endParaRPr>
+          </a:p>
+          <a:p>
+            <a:pPr marL="971550" lvl="1" indent="-285750" rtl="0">
+              <a:spcBef>
+                <a:spcPts val="0"/>
+              </a:spcBef>
+              <a:buClr>
+                <a:schemeClr val="accent1"/>
+              </a:buClr>
+              <a:buFont typeface="Arial"/>
+              <a:buChar char="•"/>
+            </a:pPr>
+            <a:endParaRPr lang="en-US">
+              <a:solidFill>
+                <a:schemeClr val="accent1"/>
+              </a:solidFill>
+            </a:endParaRPr>
           </a:p>
         </p:txBody>
       </p:sp>
@@ -19031,7 +18758,7 @@
           <p:nvPr/>
         </p:nvPicPr>
         <p:blipFill rotWithShape="1">
-          <a:blip r:embed="rId3" cstate="email">
+          <a:blip r:embed="rId4" cstate="email">
             <a:alphaModFix/>
             <a:extLst>
               <a:ext uri="{28A0092B-C50C-407E-A947-70E740481C1C}">
@@ -19044,7 +18771,7 @@
         </p:blipFill>
         <p:spPr>
           <a:xfrm>
-            <a:off x="5634900" y="1800625"/>
+            <a:off x="5634900" y="1006875"/>
             <a:ext cx="3142451" cy="2356823"/>
           </a:xfrm>
           <a:prstGeom prst="rect">
@@ -19056,6 +18783,52 @@
           </a:ln>
         </p:spPr>
       </p:pic>
+      <p:sp>
+        <p:nvSpPr>
+          <p:cNvPr id="2" name="TextBox 1"/>
+          <p:cNvSpPr txBox="1"/>
+          <p:nvPr/>
+        </p:nvSpPr>
+        <p:spPr>
+          <a:xfrm>
+            <a:off x="182562" y="4341813"/>
+            <a:ext cx="8675688" cy="738664"/>
+          </a:xfrm>
+          <a:prstGeom prst="rect">
+            <a:avLst/>
+          </a:prstGeom>
+          <a:noFill/>
+        </p:spPr>
+        <p:txBody>
+          <a:bodyPr wrap="square" rtlCol="0">
+            <a:spAutoFit/>
+          </a:bodyPr>
+          <a:lstStyle/>
+          <a:p>
+            <a:r>
+              <a:rPr lang="en-US">
+                <a:solidFill>
+                  <a:schemeClr val="accent1"/>
+                </a:solidFill>
+              </a:rPr>
+              <a:t>See autocomplete example in Sufia </a:t>
+            </a:r>
+          </a:p>
+          <a:p>
+            <a:r>
+              <a:rPr lang="en-US">
+                <a:solidFill>
+                  <a:schemeClr val="accent1"/>
+                </a:solidFill>
+              </a:rPr>
+              <a:t>https://github.com/projecthydra/sufia/blob/master/spec/javascripts/autocomplete_spec.js.coffee</a:t>
+            </a:r>
+          </a:p>
+          <a:p>
+            <a:endParaRPr lang="en-US"/>
+          </a:p>
+        </p:txBody>
+      </p:sp>
     </p:spTree>
   </p:cSld>
   <p:clrMapOvr>
@@ -19067,7 +18840,7 @@
 </p:sld>
 </file>
 
-<file path=ppt/slides/slide16.xml><?xml version="1.0" encoding="utf-8"?>
+<file path=ppt/slides/slide15.xml><?xml version="1.0" encoding="utf-8"?>
 <p:sld xmlns:a="http://schemas.openxmlformats.org/drawingml/2006/main" xmlns:r="http://schemas.openxmlformats.org/officeDocument/2006/relationships" xmlns:p="http://schemas.openxmlformats.org/presentationml/2006/main">
   <p:cSld>
     <p:spTree>
@@ -19134,8 +18907,8 @@
         </p:nvSpPr>
         <p:spPr>
           <a:xfrm>
-            <a:off x="164136" y="1045458"/>
-            <a:ext cx="5811111" cy="3725699"/>
+            <a:off x="164136" y="1045459"/>
+            <a:ext cx="5811111" cy="2764542"/>
           </a:xfrm>
           <a:prstGeom prst="rect">
             <a:avLst/>
@@ -19258,27 +19031,11 @@
             </a:r>
           </a:p>
           <a:p>
-            <a:pPr lvl="0" indent="-342900" rtl="0">
-              <a:spcBef>
-                <a:spcPts val="0"/>
-              </a:spcBef>
-              <a:buFont typeface="Arial"/>
-              <a:buChar char="•"/>
-            </a:pPr>
-            <a:endParaRPr>
-              <a:latin typeface="Consolas"/>
-              <a:ea typeface="Consolas"/>
-              <a:cs typeface="Consolas"/>
-              <a:sym typeface="Consolas"/>
-            </a:endParaRPr>
-          </a:p>
-          <a:p>
-            <a:pPr lvl="0" indent="-342900">
-              <a:spcBef>
-                <a:spcPts val="0"/>
-              </a:spcBef>
-              <a:buFont typeface="Arial"/>
-              <a:buChar char="•"/>
+            <a:pPr marL="0" lvl="0" indent="0" rtl="0">
+              <a:spcBef>
+                <a:spcPts val="0"/>
+              </a:spcBef>
+              <a:buNone/>
             </a:pPr>
             <a:endParaRPr>
               <a:latin typeface="Consolas"/>
@@ -19309,7 +19066,7 @@
         </p:blipFill>
         <p:spPr>
           <a:xfrm>
-            <a:off x="6044774" y="1399699"/>
+            <a:off x="6044774" y="857400"/>
             <a:ext cx="2894325" cy="3628550"/>
           </a:xfrm>
           <a:prstGeom prst="rect">
@@ -19321,6 +19078,259 @@
           </a:ln>
         </p:spPr>
       </p:pic>
+      <p:sp>
+        <p:nvSpPr>
+          <p:cNvPr id="5" name="TextBox 4"/>
+          <p:cNvSpPr txBox="1"/>
+          <p:nvPr/>
+        </p:nvSpPr>
+        <p:spPr>
+          <a:xfrm>
+            <a:off x="182562" y="4341813"/>
+            <a:ext cx="8675688" cy="738664"/>
+          </a:xfrm>
+          <a:prstGeom prst="rect">
+            <a:avLst/>
+          </a:prstGeom>
+          <a:noFill/>
+        </p:spPr>
+        <p:txBody>
+          <a:bodyPr wrap="square" rtlCol="0">
+            <a:spAutoFit/>
+          </a:bodyPr>
+          <a:lstStyle/>
+          <a:p>
+            <a:r>
+              <a:rPr lang="en-US">
+                <a:solidFill>
+                  <a:schemeClr val="accent1"/>
+                </a:solidFill>
+              </a:rPr>
+              <a:t>See autocomplete example in Sufia </a:t>
+            </a:r>
+          </a:p>
+          <a:p>
+            <a:r>
+              <a:rPr lang="en-US">
+                <a:solidFill>
+                  <a:schemeClr val="accent1"/>
+                </a:solidFill>
+              </a:rPr>
+              <a:t>https://github.com/projecthydra/sufia/blob/master/spec/javascripts/autocomplete_spec.js.coffee</a:t>
+            </a:r>
+          </a:p>
+          <a:p>
+            <a:endParaRPr lang="en-US"/>
+          </a:p>
+        </p:txBody>
+      </p:sp>
+    </p:spTree>
+  </p:cSld>
+  <p:clrMapOvr>
+    <a:masterClrMapping/>
+  </p:clrMapOvr>
+  <p:transition xmlns:p14="http://schemas.microsoft.com/office/powerpoint/2010/main" spd="slow">
+    <p:cut/>
+  </p:transition>
+</p:sld>
+</file>
+
+<file path=ppt/slides/slide16.xml><?xml version="1.0" encoding="utf-8"?>
+<p:sld xmlns:a="http://schemas.openxmlformats.org/drawingml/2006/main" xmlns:r="http://schemas.openxmlformats.org/officeDocument/2006/relationships" xmlns:p="http://schemas.openxmlformats.org/presentationml/2006/main">
+  <p:cSld>
+    <p:spTree>
+      <p:nvGrpSpPr>
+        <p:cNvPr id="1" name="Shape 220"/>
+        <p:cNvGrpSpPr/>
+        <p:nvPr/>
+      </p:nvGrpSpPr>
+      <p:grpSpPr>
+        <a:xfrm>
+          <a:off x="0" y="0"/>
+          <a:ext cx="0" cy="0"/>
+          <a:chOff x="0" y="0"/>
+          <a:chExt cx="0" cy="0"/>
+        </a:xfrm>
+      </p:grpSpPr>
+      <p:sp>
+        <p:nvSpPr>
+          <p:cNvPr id="221" name="Shape 221"/>
+          <p:cNvSpPr txBox="1">
+            <a:spLocks noGrp="1"/>
+          </p:cNvSpPr>
+          <p:nvPr>
+            <p:ph type="body" idx="1"/>
+          </p:nvPr>
+        </p:nvSpPr>
+        <p:spPr>
+          <a:xfrm>
+            <a:off x="457200" y="1200150"/>
+            <a:ext cx="5336700" cy="3725699"/>
+          </a:xfrm>
+          <a:prstGeom prst="rect">
+            <a:avLst/>
+          </a:prstGeom>
+        </p:spPr>
+        <p:txBody>
+          <a:bodyPr lIns="91425" tIns="91425" rIns="91425" bIns="91425" anchor="t" anchorCtr="0">
+            <a:noAutofit/>
+          </a:bodyPr>
+          <a:lstStyle/>
+          <a:p>
+            <a:pPr marL="571500" lvl="0" indent="-342900" rtl="0">
+              <a:spcBef>
+                <a:spcPts val="0"/>
+              </a:spcBef>
+              <a:buFont typeface="Arial"/>
+              <a:buChar char="•"/>
+            </a:pPr>
+            <a:r>
+              <a:rPr lang="en"/>
+              <a:t>Run Jasmine in CI mode</a:t>
+            </a:r>
+          </a:p>
+          <a:p>
+            <a:pPr marL="571500" lvl="0" indent="-342900" rtl="0">
+              <a:spcBef>
+                <a:spcPts val="0"/>
+              </a:spcBef>
+              <a:buFont typeface="Arial"/>
+              <a:buChar char="•"/>
+            </a:pPr>
+            <a:r>
+              <a:rPr lang="en"/>
+              <a:t>Capture the output</a:t>
+            </a:r>
+          </a:p>
+          <a:p>
+            <a:pPr marL="571500" lvl="0" indent="-342900" rtl="0">
+              <a:spcBef>
+                <a:spcPts val="0"/>
+              </a:spcBef>
+              <a:buFont typeface="Arial"/>
+              <a:buChar char="•"/>
+            </a:pPr>
+            <a:r>
+              <a:rPr lang="en"/>
+              <a:t>Evaluate the output for failures</a:t>
+            </a:r>
+          </a:p>
+          <a:p>
+            <a:pPr marL="571500" lvl="0" indent="-342900" rtl="0">
+              <a:spcBef>
+                <a:spcPts val="0"/>
+              </a:spcBef>
+              <a:buFont typeface="Arial"/>
+              <a:buChar char="•"/>
+            </a:pPr>
+            <a:r>
+              <a:rPr lang="en"/>
+              <a:t>Existing code is available in Sufia</a:t>
+            </a:r>
+          </a:p>
+          <a:p>
+            <a:pPr marL="971550" lvl="1" indent="-285750" rtl="0">
+              <a:spcBef>
+                <a:spcPts val="0"/>
+              </a:spcBef>
+              <a:buFont typeface="Arial"/>
+              <a:buChar char="•"/>
+            </a:pPr>
+            <a:r>
+              <a:rPr lang="en" u="sng">
+                <a:solidFill>
+                  <a:schemeClr val="hlink"/>
+                </a:solidFill>
+                <a:hlinkClick r:id="rId3"/>
+              </a:rPr>
+              <a:t>https://github.com/projecthydra/sufia/blob/master/spec/javascripts/jasmine_spec.rb</a:t>
+            </a:r>
+          </a:p>
+          <a:p>
+            <a:pPr marL="971550" lvl="1" indent="-285750">
+              <a:spcBef>
+                <a:spcPts val="0"/>
+              </a:spcBef>
+              <a:buFont typeface="Arial"/>
+              <a:buChar char="•"/>
+            </a:pPr>
+            <a:r>
+              <a:rPr lang="en"/>
+              <a:t>Would like to create a Gem or integrate with another Gem</a:t>
+            </a:r>
+          </a:p>
+        </p:txBody>
+      </p:sp>
+      <p:pic>
+        <p:nvPicPr>
+          <p:cNvPr id="222" name="Shape 222"/>
+          <p:cNvPicPr preferRelativeResize="0"/>
+          <p:nvPr/>
+        </p:nvPicPr>
+        <p:blipFill rotWithShape="1">
+          <a:blip r:embed="rId4" cstate="email">
+            <a:alphaModFix/>
+            <a:extLst>
+              <a:ext uri="{28A0092B-C50C-407E-A947-70E740481C1C}">
+                <a14:useLocalDpi xmlns:a14="http://schemas.microsoft.com/office/drawing/2010/main"/>
+              </a:ext>
+            </a:extLst>
+          </a:blip>
+          <a:srcRect/>
+          <a:stretch/>
+        </p:blipFill>
+        <p:spPr>
+          <a:xfrm rot="5400000">
+            <a:off x="6056790" y="1602392"/>
+            <a:ext cx="3596770" cy="2577650"/>
+          </a:xfrm>
+          <a:prstGeom prst="rect">
+            <a:avLst/>
+          </a:prstGeom>
+          <a:noFill/>
+          <a:ln>
+            <a:noFill/>
+          </a:ln>
+        </p:spPr>
+      </p:pic>
+      <p:sp>
+        <p:nvSpPr>
+          <p:cNvPr id="223" name="Shape 223"/>
+          <p:cNvSpPr txBox="1">
+            <a:spLocks noGrp="1"/>
+          </p:cNvSpPr>
+          <p:nvPr>
+            <p:ph type="title"/>
+          </p:nvPr>
+        </p:nvSpPr>
+        <p:spPr>
+          <a:xfrm>
+            <a:off x="0" y="0"/>
+            <a:ext cx="9144000" cy="857400"/>
+          </a:xfrm>
+          <a:prstGeom prst="rect">
+            <a:avLst/>
+          </a:prstGeom>
+        </p:spPr>
+        <p:txBody>
+          <a:bodyPr lIns="91425" tIns="91425" rIns="91425" bIns="91425" anchor="ctr" anchorCtr="0">
+            <a:noAutofit/>
+          </a:bodyPr>
+          <a:lstStyle/>
+          <a:p>
+            <a:pPr>
+              <a:spcBef>
+                <a:spcPts val="0"/>
+              </a:spcBef>
+              <a:buNone/>
+            </a:pPr>
+            <a:r>
+              <a:rPr lang="en"/>
+              <a:t>Jasmine add on to RSpec</a:t>
+            </a:r>
+          </a:p>
+        </p:txBody>
+      </p:sp>
     </p:spTree>
   </p:cSld>
   <p:clrMapOvr>
@@ -19762,6 +19772,13 @@
   <p:transition xmlns:p14="http://schemas.microsoft.com/office/powerpoint/2010/main" spd="slow">
     <p:cut/>
   </p:transition>
+  <p:timing>
+    <p:tnLst>
+      <p:par>
+        <p:cTn xmlns:p14="http://schemas.microsoft.com/office/powerpoint/2010/main" id="1" dur="indefinite" restart="never" nodeType="tmRoot"/>
+      </p:par>
+    </p:tnLst>
+  </p:timing>
 </p:sld>
 </file>
 
@@ -19849,6 +19866,13 @@
   <p:clrMapOvr>
     <a:masterClrMapping/>
   </p:clrMapOvr>
+  <p:timing>
+    <p:tnLst>
+      <p:par>
+        <p:cTn xmlns:p14="http://schemas.microsoft.com/office/powerpoint/2010/main" id="1" dur="indefinite" restart="never" nodeType="tmRoot"/>
+      </p:par>
+    </p:tnLst>
+  </p:timing>
 </p:sld>
 </file>
 
@@ -20070,6 +20094,13 @@
   <p:transition xmlns:p14="http://schemas.microsoft.com/office/powerpoint/2010/main" spd="slow">
     <p:cut/>
   </p:transition>
+  <p:timing>
+    <p:tnLst>
+      <p:par>
+        <p:cTn xmlns:p14="http://schemas.microsoft.com/office/powerpoint/2010/main" id="1" dur="indefinite" restart="never" nodeType="tmRoot"/>
+      </p:par>
+    </p:tnLst>
+  </p:timing>
 </p:sld>
 </file>
 
@@ -20343,6 +20374,13 @@
   <p:transition xmlns:p14="http://schemas.microsoft.com/office/powerpoint/2010/main" spd="slow">
     <p:cut/>
   </p:transition>
+  <p:timing>
+    <p:tnLst>
+      <p:par>
+        <p:cTn xmlns:p14="http://schemas.microsoft.com/office/powerpoint/2010/main" id="1" dur="indefinite" restart="never" nodeType="tmRoot"/>
+      </p:par>
+    </p:tnLst>
+  </p:timing>
 </p:sld>
 </file>
 
@@ -22209,7 +22247,7 @@
   <p:cSld>
     <p:spTree>
       <p:nvGrpSpPr>
-        <p:cNvPr id="1" name="Shape 220"/>
+        <p:cNvPr id="1" name="Shape 255"/>
         <p:cNvGrpSpPr/>
         <p:nvPr/>
       </p:nvGrpSpPr>
@@ -22223,7 +22261,46 @@
       </p:grpSpPr>
       <p:sp>
         <p:nvSpPr>
-          <p:cNvPr id="221" name="Shape 221"/>
+          <p:cNvPr id="256" name="Shape 256"/>
+          <p:cNvSpPr txBox="1">
+            <a:spLocks noGrp="1"/>
+          </p:cNvSpPr>
+          <p:nvPr>
+            <p:ph type="title"/>
+          </p:nvPr>
+        </p:nvSpPr>
+        <p:spPr>
+          <a:xfrm>
+            <a:off x="0" y="0"/>
+            <a:ext cx="9144000" cy="857400"/>
+          </a:xfrm>
+          <a:prstGeom prst="rect">
+            <a:avLst/>
+          </a:prstGeom>
+        </p:spPr>
+        <p:txBody>
+          <a:bodyPr lIns="91425" tIns="91425" rIns="91425" bIns="91425" anchor="ctr" anchorCtr="0">
+            <a:noAutofit/>
+          </a:bodyPr>
+          <a:lstStyle/>
+          <a:p>
+            <a:pPr>
+              <a:spcBef>
+                <a:spcPts val="0"/>
+              </a:spcBef>
+              <a:buNone/>
+            </a:pPr>
+            <a:r>
+              <a:rPr lang="en-US"/>
+              <a:t>Testing plain vanilla JavaScript</a:t>
+            </a:r>
+            <a:endParaRPr lang="en"/>
+          </a:p>
+        </p:txBody>
+      </p:sp>
+      <p:sp>
+        <p:nvSpPr>
+          <p:cNvPr id="257" name="Shape 257"/>
           <p:cNvSpPr txBox="1">
             <a:spLocks noGrp="1"/>
           </p:cNvSpPr>
@@ -22233,8 +22310,8 @@
         </p:nvSpPr>
         <p:spPr>
           <a:xfrm>
-            <a:off x="457200" y="1200150"/>
-            <a:ext cx="5336700" cy="3725699"/>
+            <a:off x="457200" y="789218"/>
+            <a:ext cx="8229600" cy="4162519"/>
           </a:xfrm>
           <a:prstGeom prst="rect">
             <a:avLst/>
@@ -22246,146 +22323,213 @@
           </a:bodyPr>
           <a:lstStyle/>
           <a:p>
-            <a:pPr marL="571500" lvl="0" indent="-342900" rtl="0">
-              <a:spcBef>
-                <a:spcPts val="0"/>
-              </a:spcBef>
-              <a:buFont typeface="Arial"/>
-              <a:buChar char="•"/>
+            <a:pPr marL="228600" lvl="0" indent="0">
+              <a:buNone/>
             </a:pPr>
             <a:r>
-              <a:rPr lang="en"/>
-              <a:t>Run Jasmine in CI mode</a:t>
+              <a:rPr lang="en" sz="2000" b="1">
+                <a:solidFill>
+                  <a:srgbClr val="000000"/>
+                </a:solidFill>
+                <a:latin typeface="Courier"/>
+                <a:cs typeface="Courier"/>
+              </a:rPr>
+              <a:t>// Calculator.js</a:t>
             </a:r>
           </a:p>
           <a:p>
-            <a:pPr marL="571500" lvl="0" indent="-342900" rtl="0">
-              <a:spcBef>
-                <a:spcPts val="0"/>
-              </a:spcBef>
-              <a:buFont typeface="Arial"/>
-              <a:buChar char="•"/>
+            <a:pPr marL="228600" lvl="0" indent="0">
+              <a:buNone/>
             </a:pPr>
             <a:r>
-              <a:rPr lang="en"/>
-              <a:t>Capture the output</a:t>
+              <a:rPr lang="en" sz="2000">
+                <a:solidFill>
+                  <a:srgbClr val="000000"/>
+                </a:solidFill>
+                <a:latin typeface="Courier"/>
+                <a:cs typeface="Courier"/>
+              </a:rPr>
+              <a:t>Calculator.addNumbers = function(a, b) {</a:t>
             </a:r>
           </a:p>
           <a:p>
-            <a:pPr marL="571500" lvl="0" indent="-342900" rtl="0">
-              <a:spcBef>
-                <a:spcPts val="0"/>
-              </a:spcBef>
-              <a:buFont typeface="Arial"/>
-              <a:buChar char="•"/>
+            <a:pPr marL="228600" lvl="0" indent="0">
+              <a:buNone/>
             </a:pPr>
             <a:r>
-              <a:rPr lang="en"/>
-              <a:t>Evaluate the output for failures</a:t>
+              <a:rPr lang="en" sz="2000">
+                <a:solidFill>
+                  <a:srgbClr val="000000"/>
+                </a:solidFill>
+                <a:latin typeface="Courier"/>
+                <a:cs typeface="Courier"/>
+              </a:rPr>
+              <a:t>  return a + b;</a:t>
             </a:r>
           </a:p>
           <a:p>
-            <a:pPr marL="571500" lvl="0" indent="-342900" rtl="0">
-              <a:spcBef>
-                <a:spcPts val="0"/>
-              </a:spcBef>
-              <a:buFont typeface="Arial"/>
-              <a:buChar char="•"/>
+            <a:pPr marL="228600" lvl="0" indent="0">
+              <a:buNone/>
             </a:pPr>
             <a:r>
-              <a:rPr lang="en"/>
-              <a:t>Existing code is available in Sufia</a:t>
+              <a:rPr lang="en" sz="2000">
+                <a:solidFill>
+                  <a:srgbClr val="000000"/>
+                </a:solidFill>
+                <a:latin typeface="Courier"/>
+                <a:cs typeface="Courier"/>
+              </a:rPr>
+              <a:t>}</a:t>
             </a:r>
           </a:p>
           <a:p>
-            <a:pPr marL="971550" lvl="1" indent="-285750" rtl="0">
-              <a:spcBef>
-                <a:spcPts val="0"/>
-              </a:spcBef>
-              <a:buFont typeface="Arial"/>
-              <a:buChar char="•"/>
+            <a:pPr marL="228600" lvl="0" indent="0">
+              <a:buNone/>
+            </a:pPr>
+            <a:endParaRPr lang="en" sz="2000">
+              <a:solidFill>
+                <a:srgbClr val="000000"/>
+              </a:solidFill>
+              <a:latin typeface="Courier"/>
+              <a:cs typeface="Courier"/>
+            </a:endParaRPr>
+          </a:p>
+          <a:p>
+            <a:pPr marL="228600" lvl="0" indent="0">
+              <a:buNone/>
             </a:pPr>
             <a:r>
-              <a:rPr lang="en" u="sng">
+              <a:rPr lang="en" sz="2000" b="1">
                 <a:solidFill>
-                  <a:schemeClr val="hlink"/>
+                  <a:srgbClr val="000000"/>
                 </a:solidFill>
-                <a:hlinkClick r:id="rId3"/>
+                <a:latin typeface="Courier"/>
+                <a:cs typeface="Courier"/>
               </a:rPr>
-              <a:t>https://github.com/projecthydra/sufia/blob/master/spec/javascripts/jasmine_spec.rb</a:t>
+              <a:t>// CalculatorSpec.js</a:t>
             </a:r>
           </a:p>
           <a:p>
-            <a:pPr marL="971550" lvl="1" indent="-285750">
-              <a:spcBef>
-                <a:spcPts val="0"/>
-              </a:spcBef>
-              <a:buFont typeface="Arial"/>
-              <a:buChar char="•"/>
+            <a:pPr marL="228600" lvl="0" indent="0">
+              <a:buNone/>
             </a:pPr>
             <a:r>
-              <a:rPr lang="en"/>
-              <a:t>Would like to create a Gem or integrate with another Gem</a:t>
+              <a:rPr lang="en" sz="2000">
+                <a:solidFill>
+                  <a:srgbClr val="000000"/>
+                </a:solidFill>
+                <a:latin typeface="Courier"/>
+                <a:cs typeface="Courier"/>
+              </a:rPr>
+              <a:t>describe("Calculator", function() {</a:t>
             </a:r>
-          </a:p>
-        </p:txBody>
-      </p:sp>
-      <p:pic>
-        <p:nvPicPr>
-          <p:cNvPr id="222" name="Shape 222"/>
-          <p:cNvPicPr preferRelativeResize="0"/>
-          <p:nvPr/>
-        </p:nvPicPr>
-        <p:blipFill rotWithShape="1">
-          <a:blip r:embed="rId4" cstate="email">
-            <a:alphaModFix/>
-            <a:extLst>
-              <a:ext uri="{28A0092B-C50C-407E-A947-70E740481C1C}">
-                <a14:useLocalDpi xmlns:a14="http://schemas.microsoft.com/office/drawing/2010/main"/>
-              </a:ext>
-            </a:extLst>
-          </a:blip>
-          <a:srcRect/>
-          <a:stretch/>
-        </p:blipFill>
-        <p:spPr>
-          <a:xfrm rot="5400000">
-            <a:off x="6056790" y="1602392"/>
-            <a:ext cx="3596770" cy="2577650"/>
-          </a:xfrm>
-          <a:prstGeom prst="rect">
-            <a:avLst/>
-          </a:prstGeom>
-          <a:noFill/>
-          <a:ln>
-            <a:noFill/>
-          </a:ln>
-        </p:spPr>
-      </p:pic>
-      <p:sp>
-        <p:nvSpPr>
-          <p:cNvPr id="223" name="Shape 223"/>
-          <p:cNvSpPr txBox="1">
-            <a:spLocks noGrp="1"/>
-          </p:cNvSpPr>
-          <p:nvPr>
-            <p:ph type="title"/>
-          </p:nvPr>
-        </p:nvSpPr>
-        <p:spPr>
-          <a:xfrm>
-            <a:off x="0" y="0"/>
-            <a:ext cx="9144000" cy="857400"/>
-          </a:xfrm>
-          <a:prstGeom prst="rect">
-            <a:avLst/>
-          </a:prstGeom>
-        </p:spPr>
-        <p:txBody>
-          <a:bodyPr lIns="91425" tIns="91425" rIns="91425" bIns="91425" anchor="ctr" anchorCtr="0">
-            <a:noAutofit/>
-          </a:bodyPr>
-          <a:lstStyle/>
+            <a:endParaRPr lang="en" sz="1400">
+              <a:solidFill>
+                <a:srgbClr val="000000"/>
+              </a:solidFill>
+              <a:latin typeface="Courier"/>
+              <a:cs typeface="Courier"/>
+            </a:endParaRPr>
+          </a:p>
+          <a:p>
+            <a:pPr marL="228600" lvl="0" indent="0">
+              <a:buNone/>
+            </a:pPr>
+            <a:r>
+              <a:rPr lang="en" sz="2000">
+                <a:solidFill>
+                  <a:srgbClr val="000000"/>
+                </a:solidFill>
+                <a:latin typeface="Courier"/>
+                <a:cs typeface="Courier"/>
+              </a:rPr>
+              <a:t>  it("adds two numbers", function() {</a:t>
+            </a:r>
+          </a:p>
+          <a:p>
+            <a:pPr marL="228600" lvl="0" indent="0">
+              <a:buNone/>
+            </a:pPr>
+            <a:r>
+              <a:rPr lang="en" sz="2000">
+                <a:solidFill>
+                  <a:srgbClr val="000000"/>
+                </a:solidFill>
+                <a:latin typeface="Courier"/>
+                <a:cs typeface="Courier"/>
+              </a:rPr>
+              <a:t>    result = Calculator.addNumbers(4,5)</a:t>
+            </a:r>
+            <a:r>
+              <a:rPr lang="en-US" sz="2000">
+                <a:solidFill>
+                  <a:srgbClr val="000000"/>
+                </a:solidFill>
+                <a:latin typeface="Courier"/>
+                <a:cs typeface="Courier"/>
+              </a:rPr>
+              <a:t>;</a:t>
+            </a:r>
+            <a:endParaRPr lang="en" sz="2000">
+              <a:solidFill>
+                <a:srgbClr val="000000"/>
+              </a:solidFill>
+              <a:latin typeface="Courier"/>
+              <a:cs typeface="Courier"/>
+            </a:endParaRPr>
+          </a:p>
+          <a:p>
+            <a:pPr marL="228600" lvl="0" indent="0">
+              <a:buNone/>
+            </a:pPr>
+            <a:r>
+              <a:rPr lang="en" sz="2000">
+                <a:solidFill>
+                  <a:srgbClr val="000000"/>
+                </a:solidFill>
+                <a:latin typeface="Courier"/>
+                <a:cs typeface="Courier"/>
+              </a:rPr>
+              <a:t>    expect(result).toEqual(9);</a:t>
+            </a:r>
+          </a:p>
+          <a:p>
+            <a:pPr marL="228600" lvl="0" indent="0">
+              <a:buNone/>
+            </a:pPr>
+            <a:r>
+              <a:rPr lang="en" sz="2000">
+                <a:solidFill>
+                  <a:srgbClr val="000000"/>
+                </a:solidFill>
+                <a:latin typeface="Courier"/>
+                <a:cs typeface="Courier"/>
+              </a:rPr>
+              <a:t>  });</a:t>
+            </a:r>
+            <a:endParaRPr lang="en" sz="1400">
+              <a:solidFill>
+                <a:srgbClr val="000000"/>
+              </a:solidFill>
+              <a:latin typeface="Courier"/>
+              <a:cs typeface="Courier"/>
+            </a:endParaRPr>
+          </a:p>
+          <a:p>
+            <a:pPr marL="228600" lvl="0" indent="0">
+              <a:buNone/>
+            </a:pPr>
+            <a:r>
+              <a:rPr lang="en" sz="2000">
+                <a:solidFill>
+                  <a:srgbClr val="000000"/>
+                </a:solidFill>
+                <a:latin typeface="Courier"/>
+                <a:cs typeface="Courier"/>
+              </a:rPr>
+              <a:t>});</a:t>
+            </a:r>
+          </a:p>
           <a:p>
             <a:pPr>
               <a:spcBef>
@@ -22393,10 +22537,7 @@
               </a:spcBef>
               <a:buNone/>
             </a:pPr>
-            <a:r>
-              <a:rPr lang="en"/>
-              <a:t>Jasmine add on to RSpec</a:t>
-            </a:r>
+            <a:endParaRPr/>
           </a:p>
         </p:txBody>
       </p:sp>
